--- a/PPT/23_光线追踪_OO结构_平面类.pptx
+++ b/PPT/23_光线追踪_OO结构_平面类.pptx
@@ -334,7 +334,7 @@
               <a:pPr>
                 <a:defRPr/>
               </a:pPr>
-              <a:t>2017/11/1</a:t>
+              <a:t>2017/11/6</a:t>
             </a:fld>
             <a:endParaRPr lang="zh-CN" altLang="en-US" sz="1200"/>
           </a:p>
@@ -950,7 +950,7 @@
               <a:pPr>
                 <a:defRPr/>
               </a:pPr>
-              <a:t>2017/11/1</a:t>
+              <a:t>2017/11/6</a:t>
             </a:fld>
             <a:endParaRPr lang="zh-CN" altLang="en-US" sz="1200"/>
           </a:p>
@@ -1077,7 +1077,7 @@
               <a:pPr>
                 <a:defRPr/>
               </a:pPr>
-              <a:t>2017/11/1</a:t>
+              <a:t>2017/11/6</a:t>
             </a:fld>
             <a:endParaRPr lang="zh-CN" altLang="en-US" sz="1200"/>
           </a:p>
@@ -1204,7 +1204,7 @@
               <a:pPr>
                 <a:defRPr/>
               </a:pPr>
-              <a:t>2017/11/1</a:t>
+              <a:t>2017/11/6</a:t>
             </a:fld>
             <a:endParaRPr lang="zh-CN" altLang="en-US" sz="1200"/>
           </a:p>
@@ -1331,7 +1331,7 @@
               <a:pPr>
                 <a:defRPr/>
               </a:pPr>
-              <a:t>2017/11/1</a:t>
+              <a:t>2017/11/6</a:t>
             </a:fld>
             <a:endParaRPr lang="zh-CN" altLang="en-US" sz="1200"/>
           </a:p>
@@ -1458,7 +1458,7 @@
               <a:pPr>
                 <a:defRPr/>
               </a:pPr>
-              <a:t>2017/11/1</a:t>
+              <a:t>2017/11/6</a:t>
             </a:fld>
             <a:endParaRPr lang="zh-CN" altLang="en-US" sz="1200"/>
           </a:p>
@@ -1585,7 +1585,7 @@
               <a:pPr>
                 <a:defRPr/>
               </a:pPr>
-              <a:t>2017/11/1</a:t>
+              <a:t>2017/11/6</a:t>
             </a:fld>
             <a:endParaRPr lang="zh-CN" altLang="en-US" sz="1200"/>
           </a:p>
@@ -1712,7 +1712,7 @@
               <a:pPr>
                 <a:defRPr/>
               </a:pPr>
-              <a:t>2017/11/1</a:t>
+              <a:t>2017/11/6</a:t>
             </a:fld>
             <a:endParaRPr lang="zh-CN" altLang="en-US" sz="1200"/>
           </a:p>
@@ -5608,8 +5608,8 @@
           </a:prstGeom>
         </p:spPr>
       </p:pic>
-      <mc:AlternateContent xmlns:mc="http://schemas.openxmlformats.org/markup-compatibility/2006">
-        <mc:Choice xmlns:a14="http://schemas.microsoft.com/office/drawing/2010/main" Requires="a14">
+      <mc:AlternateContent xmlns:mc="http://schemas.openxmlformats.org/markup-compatibility/2006" xmlns:a14="http://schemas.microsoft.com/office/drawing/2010/main">
+        <mc:Choice Requires="a14">
           <p:sp>
             <p:nvSpPr>
               <p:cNvPr id="2" name="矩形 1">
@@ -5873,7 +5873,7 @@
             </p:txBody>
           </p:sp>
         </mc:Choice>
-        <mc:Fallback>
+        <mc:Fallback xmlns="">
           <p:sp>
             <p:nvSpPr>
               <p:cNvPr id="2" name="矩形 1">
@@ -8309,8 +8309,8 @@
           </a:p>
         </p:txBody>
       </p:sp>
-      <mc:AlternateContent xmlns:mc="http://schemas.openxmlformats.org/markup-compatibility/2006">
-        <mc:Choice xmlns:a14="http://schemas.microsoft.com/office/drawing/2010/main" Requires="a14">
+      <mc:AlternateContent xmlns:mc="http://schemas.openxmlformats.org/markup-compatibility/2006" xmlns:a14="http://schemas.microsoft.com/office/drawing/2010/main">
+        <mc:Choice Requires="a14">
           <p:sp>
             <p:nvSpPr>
               <p:cNvPr id="4" name="Content Placeholder 3">
@@ -9034,7 +9034,7 @@
             </p:txBody>
           </p:sp>
         </mc:Choice>
-        <mc:Fallback>
+        <mc:Fallback xmlns="">
           <p:sp>
             <p:nvSpPr>
               <p:cNvPr id="4" name="Content Placeholder 3">
@@ -10334,7 +10334,7 @@
                 <a:latin typeface="微软雅黑 Light" panose="020B0502040204020203" pitchFamily="34" charset="-122"/>
                 <a:ea typeface="微软雅黑 Light" panose="020B0502040204020203" pitchFamily="34" charset="-122"/>
               </a:rPr>
-              <a:t>虚函数的实线</a:t>
+              <a:t>虚函数的实现</a:t>
             </a:r>
             <a:endParaRPr lang="en-US" altLang="zh-CN" dirty="0">
               <a:solidFill>
@@ -10767,8 +10767,8 @@
           </a:p>
         </p:txBody>
       </p:sp>
-      <mc:AlternateContent xmlns:mc="http://schemas.openxmlformats.org/markup-compatibility/2006">
-        <mc:Choice xmlns:a14="http://schemas.microsoft.com/office/drawing/2010/main" Requires="a14">
+      <mc:AlternateContent xmlns:mc="http://schemas.openxmlformats.org/markup-compatibility/2006" xmlns:a14="http://schemas.microsoft.com/office/drawing/2010/main">
+        <mc:Choice Requires="a14">
           <p:sp>
             <p:nvSpPr>
               <p:cNvPr id="4" name="Content Placeholder 3">
@@ -11142,7 +11142,7 @@
             </p:txBody>
           </p:sp>
         </mc:Choice>
-        <mc:Fallback>
+        <mc:Fallback xmlns="">
           <p:sp>
             <p:nvSpPr>
               <p:cNvPr id="4" name="Content Placeholder 3">
